--- a/ppt 16-9/0374.惟有主能救我.pptx
+++ b/ppt 16-9/0374.惟有主能救我.pptx
@@ -5,7 +5,7 @@
     <p:sldMasterId id="2147483648" r:id="rId1"/>
   </p:sldMasterIdLst>
   <p:sldIdLst>
-    <p:sldId id="3289" r:id="rId2"/>
+    <p:sldId id="3290" r:id="rId2"/>
   </p:sldIdLst>
   <p:sldSz cx="12192000" cy="6858000"/>
   <p:notesSz cx="6858000" cy="9144000"/>
@@ -129,7 +129,7 @@
           <p:cNvPr id="2" name="标题 1">
             <a:extLst>
               <a:ext uri="{FF2B5EF4-FFF2-40B4-BE49-F238E27FC236}">
-                <a16:creationId xmlns:a16="http://schemas.microsoft.com/office/drawing/2014/main" id="{FF5E6E86-1678-97F4-FCCD-157EC82F63C0}"/>
+                <a16:creationId xmlns:a16="http://schemas.microsoft.com/office/drawing/2014/main" id="{68A9F64F-E1D7-B292-83DD-5FDD5F367E50}"/>
               </a:ext>
             </a:extLst>
           </p:cNvPr>
@@ -166,7 +166,7 @@
           <p:cNvPr id="3" name="副标题 2">
             <a:extLst>
               <a:ext uri="{FF2B5EF4-FFF2-40B4-BE49-F238E27FC236}">
-                <a16:creationId xmlns:a16="http://schemas.microsoft.com/office/drawing/2014/main" id="{2D55480E-27DD-6284-52E4-B4D939625B2F}"/>
+                <a16:creationId xmlns:a16="http://schemas.microsoft.com/office/drawing/2014/main" id="{868F6FA7-BB83-6931-2B97-9D363A4FE7FE}"/>
               </a:ext>
             </a:extLst>
           </p:cNvPr>
@@ -236,7 +236,7 @@
           <p:cNvPr id="4" name="日期占位符 3">
             <a:extLst>
               <a:ext uri="{FF2B5EF4-FFF2-40B4-BE49-F238E27FC236}">
-                <a16:creationId xmlns:a16="http://schemas.microsoft.com/office/drawing/2014/main" id="{48D1F52C-EF73-17F4-57F9-993DE721779C}"/>
+                <a16:creationId xmlns:a16="http://schemas.microsoft.com/office/drawing/2014/main" id="{32D03ED7-8743-61A9-EF8B-B44445BE9CEF}"/>
               </a:ext>
             </a:extLst>
           </p:cNvPr>
@@ -252,7 +252,7 @@
           <a:bodyPr/>
           <a:lstStyle/>
           <a:p>
-            <a:fld id="{7A86817B-5EF3-409B-9ADE-83BBE30A70BC}" type="datetimeFigureOut">
+            <a:fld id="{0873F4E9-D696-4CEC-BF6C-E9AFA181D858}" type="datetimeFigureOut">
               <a:rPr lang="zh-CN" altLang="en-US" smtClean="0"/>
               <a:t>2024/3/10</a:t>
             </a:fld>
@@ -265,7 +265,7 @@
           <p:cNvPr id="5" name="页脚占位符 4">
             <a:extLst>
               <a:ext uri="{FF2B5EF4-FFF2-40B4-BE49-F238E27FC236}">
-                <a16:creationId xmlns:a16="http://schemas.microsoft.com/office/drawing/2014/main" id="{F7657C7A-5463-23D3-3A99-7780C61C2725}"/>
+                <a16:creationId xmlns:a16="http://schemas.microsoft.com/office/drawing/2014/main" id="{3C6407D0-953C-2071-3177-AAFCAB5B8274}"/>
               </a:ext>
             </a:extLst>
           </p:cNvPr>
@@ -290,7 +290,7 @@
           <p:cNvPr id="6" name="灯片编号占位符 5">
             <a:extLst>
               <a:ext uri="{FF2B5EF4-FFF2-40B4-BE49-F238E27FC236}">
-                <a16:creationId xmlns:a16="http://schemas.microsoft.com/office/drawing/2014/main" id="{01B15422-314E-7FFA-EE8F-A7178A8EE4D8}"/>
+                <a16:creationId xmlns:a16="http://schemas.microsoft.com/office/drawing/2014/main" id="{1E58CB56-4CFE-7D33-FA01-90FF6C91A408}"/>
               </a:ext>
             </a:extLst>
           </p:cNvPr>
@@ -306,7 +306,7 @@
           <a:bodyPr/>
           <a:lstStyle/>
           <a:p>
-            <a:fld id="{FFEE2E34-C01D-4947-AB6A-550B507F5D54}" type="slidenum">
+            <a:fld id="{03DF322B-7F72-494B-BD4D-DB68A7B28BC0}" type="slidenum">
               <a:rPr lang="zh-CN" altLang="en-US" smtClean="0"/>
               <a:t>‹#›</a:t>
             </a:fld>
@@ -317,7 +317,7 @@
     </p:spTree>
     <p:extLst>
       <p:ext uri="{BB962C8B-B14F-4D97-AF65-F5344CB8AC3E}">
-        <p14:creationId xmlns:p14="http://schemas.microsoft.com/office/powerpoint/2010/main" val="1466118605"/>
+        <p14:creationId xmlns:p14="http://schemas.microsoft.com/office/powerpoint/2010/main" val="3348957364"/>
       </p:ext>
     </p:extLst>
   </p:cSld>
@@ -349,7 +349,7 @@
           <p:cNvPr id="2" name="标题 1">
             <a:extLst>
               <a:ext uri="{FF2B5EF4-FFF2-40B4-BE49-F238E27FC236}">
-                <a16:creationId xmlns:a16="http://schemas.microsoft.com/office/drawing/2014/main" id="{D4D83166-3C6E-BF12-4182-2559F8666369}"/>
+                <a16:creationId xmlns:a16="http://schemas.microsoft.com/office/drawing/2014/main" id="{B67BAF37-D486-E302-4282-5EC76280ADA9}"/>
               </a:ext>
             </a:extLst>
           </p:cNvPr>
@@ -377,7 +377,7 @@
           <p:cNvPr id="3" name="竖排文字占位符 2">
             <a:extLst>
               <a:ext uri="{FF2B5EF4-FFF2-40B4-BE49-F238E27FC236}">
-                <a16:creationId xmlns:a16="http://schemas.microsoft.com/office/drawing/2014/main" id="{432A0159-E4E3-B381-ACF5-60189B5FD69A}"/>
+                <a16:creationId xmlns:a16="http://schemas.microsoft.com/office/drawing/2014/main" id="{57BB8F85-CBF1-C169-ED06-BC221693D89D}"/>
               </a:ext>
             </a:extLst>
           </p:cNvPr>
@@ -434,7 +434,7 @@
           <p:cNvPr id="4" name="日期占位符 3">
             <a:extLst>
               <a:ext uri="{FF2B5EF4-FFF2-40B4-BE49-F238E27FC236}">
-                <a16:creationId xmlns:a16="http://schemas.microsoft.com/office/drawing/2014/main" id="{071BACE4-FBFB-3127-D4AF-A99B94FF368A}"/>
+                <a16:creationId xmlns:a16="http://schemas.microsoft.com/office/drawing/2014/main" id="{76C029EB-B3A8-29C8-66CD-CB91FD465AB7}"/>
               </a:ext>
             </a:extLst>
           </p:cNvPr>
@@ -450,7 +450,7 @@
           <a:bodyPr/>
           <a:lstStyle/>
           <a:p>
-            <a:fld id="{7A86817B-5EF3-409B-9ADE-83BBE30A70BC}" type="datetimeFigureOut">
+            <a:fld id="{0873F4E9-D696-4CEC-BF6C-E9AFA181D858}" type="datetimeFigureOut">
               <a:rPr lang="zh-CN" altLang="en-US" smtClean="0"/>
               <a:t>2024/3/10</a:t>
             </a:fld>
@@ -463,7 +463,7 @@
           <p:cNvPr id="5" name="页脚占位符 4">
             <a:extLst>
               <a:ext uri="{FF2B5EF4-FFF2-40B4-BE49-F238E27FC236}">
-                <a16:creationId xmlns:a16="http://schemas.microsoft.com/office/drawing/2014/main" id="{275F049F-A0D5-1DD2-3CD7-DA4116AEC04A}"/>
+                <a16:creationId xmlns:a16="http://schemas.microsoft.com/office/drawing/2014/main" id="{A6805FF7-C4F5-C038-7A61-11DDC207F4E3}"/>
               </a:ext>
             </a:extLst>
           </p:cNvPr>
@@ -488,7 +488,7 @@
           <p:cNvPr id="6" name="灯片编号占位符 5">
             <a:extLst>
               <a:ext uri="{FF2B5EF4-FFF2-40B4-BE49-F238E27FC236}">
-                <a16:creationId xmlns:a16="http://schemas.microsoft.com/office/drawing/2014/main" id="{F4F6A7A6-C72C-4D94-41EB-3EDBD10CB1A5}"/>
+                <a16:creationId xmlns:a16="http://schemas.microsoft.com/office/drawing/2014/main" id="{326BF29A-41AF-1785-EEE0-B595ADA4A532}"/>
               </a:ext>
             </a:extLst>
           </p:cNvPr>
@@ -504,7 +504,7 @@
           <a:bodyPr/>
           <a:lstStyle/>
           <a:p>
-            <a:fld id="{FFEE2E34-C01D-4947-AB6A-550B507F5D54}" type="slidenum">
+            <a:fld id="{03DF322B-7F72-494B-BD4D-DB68A7B28BC0}" type="slidenum">
               <a:rPr lang="zh-CN" altLang="en-US" smtClean="0"/>
               <a:t>‹#›</a:t>
             </a:fld>
@@ -515,7 +515,7 @@
     </p:spTree>
     <p:extLst>
       <p:ext uri="{BB962C8B-B14F-4D97-AF65-F5344CB8AC3E}">
-        <p14:creationId xmlns:p14="http://schemas.microsoft.com/office/powerpoint/2010/main" val="3507105146"/>
+        <p14:creationId xmlns:p14="http://schemas.microsoft.com/office/powerpoint/2010/main" val="1232908565"/>
       </p:ext>
     </p:extLst>
   </p:cSld>
@@ -547,7 +547,7 @@
           <p:cNvPr id="2" name="竖排标题 1">
             <a:extLst>
               <a:ext uri="{FF2B5EF4-FFF2-40B4-BE49-F238E27FC236}">
-                <a16:creationId xmlns:a16="http://schemas.microsoft.com/office/drawing/2014/main" id="{3399F1DD-DAFF-28A5-DC8A-04D0B8EF6DD2}"/>
+                <a16:creationId xmlns:a16="http://schemas.microsoft.com/office/drawing/2014/main" id="{D4B959F9-7409-FD8F-77BB-4AED94EB923B}"/>
               </a:ext>
             </a:extLst>
           </p:cNvPr>
@@ -580,7 +580,7 @@
           <p:cNvPr id="3" name="竖排文字占位符 2">
             <a:extLst>
               <a:ext uri="{FF2B5EF4-FFF2-40B4-BE49-F238E27FC236}">
-                <a16:creationId xmlns:a16="http://schemas.microsoft.com/office/drawing/2014/main" id="{E21523B7-2152-BD9A-81FD-F5870200CE43}"/>
+                <a16:creationId xmlns:a16="http://schemas.microsoft.com/office/drawing/2014/main" id="{1AF7BD20-F835-7053-EB56-D9757E62FE7B}"/>
               </a:ext>
             </a:extLst>
           </p:cNvPr>
@@ -642,7 +642,7 @@
           <p:cNvPr id="4" name="日期占位符 3">
             <a:extLst>
               <a:ext uri="{FF2B5EF4-FFF2-40B4-BE49-F238E27FC236}">
-                <a16:creationId xmlns:a16="http://schemas.microsoft.com/office/drawing/2014/main" id="{41D24F54-046A-4A84-A832-464E4F68A7B3}"/>
+                <a16:creationId xmlns:a16="http://schemas.microsoft.com/office/drawing/2014/main" id="{6871A3E4-2D14-A1F3-14FD-DCC4EFD50BDD}"/>
               </a:ext>
             </a:extLst>
           </p:cNvPr>
@@ -658,7 +658,7 @@
           <a:bodyPr/>
           <a:lstStyle/>
           <a:p>
-            <a:fld id="{7A86817B-5EF3-409B-9ADE-83BBE30A70BC}" type="datetimeFigureOut">
+            <a:fld id="{0873F4E9-D696-4CEC-BF6C-E9AFA181D858}" type="datetimeFigureOut">
               <a:rPr lang="zh-CN" altLang="en-US" smtClean="0"/>
               <a:t>2024/3/10</a:t>
             </a:fld>
@@ -671,7 +671,7 @@
           <p:cNvPr id="5" name="页脚占位符 4">
             <a:extLst>
               <a:ext uri="{FF2B5EF4-FFF2-40B4-BE49-F238E27FC236}">
-                <a16:creationId xmlns:a16="http://schemas.microsoft.com/office/drawing/2014/main" id="{29E6BDAC-C98A-4629-7AE5-B7EDB9F029CA}"/>
+                <a16:creationId xmlns:a16="http://schemas.microsoft.com/office/drawing/2014/main" id="{007B7988-A727-3361-95FF-3379D1207C09}"/>
               </a:ext>
             </a:extLst>
           </p:cNvPr>
@@ -696,7 +696,7 @@
           <p:cNvPr id="6" name="灯片编号占位符 5">
             <a:extLst>
               <a:ext uri="{FF2B5EF4-FFF2-40B4-BE49-F238E27FC236}">
-                <a16:creationId xmlns:a16="http://schemas.microsoft.com/office/drawing/2014/main" id="{CD94BB3F-7375-F788-A591-610BF8F49D74}"/>
+                <a16:creationId xmlns:a16="http://schemas.microsoft.com/office/drawing/2014/main" id="{00331C3C-79C7-35E6-E4FE-F93A3C8597AD}"/>
               </a:ext>
             </a:extLst>
           </p:cNvPr>
@@ -712,7 +712,7 @@
           <a:bodyPr/>
           <a:lstStyle/>
           <a:p>
-            <a:fld id="{FFEE2E34-C01D-4947-AB6A-550B507F5D54}" type="slidenum">
+            <a:fld id="{03DF322B-7F72-494B-BD4D-DB68A7B28BC0}" type="slidenum">
               <a:rPr lang="zh-CN" altLang="en-US" smtClean="0"/>
               <a:t>‹#›</a:t>
             </a:fld>
@@ -723,7 +723,7 @@
     </p:spTree>
     <p:extLst>
       <p:ext uri="{BB962C8B-B14F-4D97-AF65-F5344CB8AC3E}">
-        <p14:creationId xmlns:p14="http://schemas.microsoft.com/office/powerpoint/2010/main" val="2563707645"/>
+        <p14:creationId xmlns:p14="http://schemas.microsoft.com/office/powerpoint/2010/main" val="3896622697"/>
       </p:ext>
     </p:extLst>
   </p:cSld>
@@ -755,7 +755,7 @@
           <p:cNvPr id="2" name="标题 1">
             <a:extLst>
               <a:ext uri="{FF2B5EF4-FFF2-40B4-BE49-F238E27FC236}">
-                <a16:creationId xmlns:a16="http://schemas.microsoft.com/office/drawing/2014/main" id="{175353FA-705B-4320-8A48-21587061E23F}"/>
+                <a16:creationId xmlns:a16="http://schemas.microsoft.com/office/drawing/2014/main" id="{77A560ED-64A5-CE76-B958-8A00A362E664}"/>
               </a:ext>
             </a:extLst>
           </p:cNvPr>
@@ -783,7 +783,7 @@
           <p:cNvPr id="3" name="内容占位符 2">
             <a:extLst>
               <a:ext uri="{FF2B5EF4-FFF2-40B4-BE49-F238E27FC236}">
-                <a16:creationId xmlns:a16="http://schemas.microsoft.com/office/drawing/2014/main" id="{36461DAA-A7C6-116B-99A1-A2EEE8B01C9C}"/>
+                <a16:creationId xmlns:a16="http://schemas.microsoft.com/office/drawing/2014/main" id="{53087D45-F941-D3D6-B3DE-B5FF9BC53C95}"/>
               </a:ext>
             </a:extLst>
           </p:cNvPr>
@@ -840,7 +840,7 @@
           <p:cNvPr id="4" name="日期占位符 3">
             <a:extLst>
               <a:ext uri="{FF2B5EF4-FFF2-40B4-BE49-F238E27FC236}">
-                <a16:creationId xmlns:a16="http://schemas.microsoft.com/office/drawing/2014/main" id="{8EFAE5D9-6624-A6F8-5AB4-5E286081E260}"/>
+                <a16:creationId xmlns:a16="http://schemas.microsoft.com/office/drawing/2014/main" id="{ACC3AA81-E7BD-AD1E-B7E4-DBE1E5CA55B5}"/>
               </a:ext>
             </a:extLst>
           </p:cNvPr>
@@ -856,7 +856,7 @@
           <a:bodyPr/>
           <a:lstStyle/>
           <a:p>
-            <a:fld id="{7A86817B-5EF3-409B-9ADE-83BBE30A70BC}" type="datetimeFigureOut">
+            <a:fld id="{0873F4E9-D696-4CEC-BF6C-E9AFA181D858}" type="datetimeFigureOut">
               <a:rPr lang="zh-CN" altLang="en-US" smtClean="0"/>
               <a:t>2024/3/10</a:t>
             </a:fld>
@@ -869,7 +869,7 @@
           <p:cNvPr id="5" name="页脚占位符 4">
             <a:extLst>
               <a:ext uri="{FF2B5EF4-FFF2-40B4-BE49-F238E27FC236}">
-                <a16:creationId xmlns:a16="http://schemas.microsoft.com/office/drawing/2014/main" id="{D5063620-1117-6936-565A-E347759D4A18}"/>
+                <a16:creationId xmlns:a16="http://schemas.microsoft.com/office/drawing/2014/main" id="{2C6105A8-4929-084D-4569-69EFB052E6A6}"/>
               </a:ext>
             </a:extLst>
           </p:cNvPr>
@@ -894,7 +894,7 @@
           <p:cNvPr id="6" name="灯片编号占位符 5">
             <a:extLst>
               <a:ext uri="{FF2B5EF4-FFF2-40B4-BE49-F238E27FC236}">
-                <a16:creationId xmlns:a16="http://schemas.microsoft.com/office/drawing/2014/main" id="{7194B63E-322E-C1B1-AD66-FB6CA69266F1}"/>
+                <a16:creationId xmlns:a16="http://schemas.microsoft.com/office/drawing/2014/main" id="{0B1FA903-D5E2-5357-9802-4F1686328F7A}"/>
               </a:ext>
             </a:extLst>
           </p:cNvPr>
@@ -910,7 +910,7 @@
           <a:bodyPr/>
           <a:lstStyle/>
           <a:p>
-            <a:fld id="{FFEE2E34-C01D-4947-AB6A-550B507F5D54}" type="slidenum">
+            <a:fld id="{03DF322B-7F72-494B-BD4D-DB68A7B28BC0}" type="slidenum">
               <a:rPr lang="zh-CN" altLang="en-US" smtClean="0"/>
               <a:t>‹#›</a:t>
             </a:fld>
@@ -921,7 +921,7 @@
     </p:spTree>
     <p:extLst>
       <p:ext uri="{BB962C8B-B14F-4D97-AF65-F5344CB8AC3E}">
-        <p14:creationId xmlns:p14="http://schemas.microsoft.com/office/powerpoint/2010/main" val="3683954218"/>
+        <p14:creationId xmlns:p14="http://schemas.microsoft.com/office/powerpoint/2010/main" val="4125198169"/>
       </p:ext>
     </p:extLst>
   </p:cSld>
@@ -953,7 +953,7 @@
           <p:cNvPr id="2" name="标题 1">
             <a:extLst>
               <a:ext uri="{FF2B5EF4-FFF2-40B4-BE49-F238E27FC236}">
-                <a16:creationId xmlns:a16="http://schemas.microsoft.com/office/drawing/2014/main" id="{B9A0AD78-B6CF-1AAC-D50F-F11DD82B1F44}"/>
+                <a16:creationId xmlns:a16="http://schemas.microsoft.com/office/drawing/2014/main" id="{66152FDC-14FB-8CB9-5F84-F3E9FCD0C937}"/>
               </a:ext>
             </a:extLst>
           </p:cNvPr>
@@ -990,7 +990,7 @@
           <p:cNvPr id="3" name="文本占位符 2">
             <a:extLst>
               <a:ext uri="{FF2B5EF4-FFF2-40B4-BE49-F238E27FC236}">
-                <a16:creationId xmlns:a16="http://schemas.microsoft.com/office/drawing/2014/main" id="{6DE0C5AF-0603-319B-1C3A-DE646607CB6F}"/>
+                <a16:creationId xmlns:a16="http://schemas.microsoft.com/office/drawing/2014/main" id="{7417FC2C-4997-3306-9AC9-47C8145F1086}"/>
               </a:ext>
             </a:extLst>
           </p:cNvPr>
@@ -1115,7 +1115,7 @@
           <p:cNvPr id="4" name="日期占位符 3">
             <a:extLst>
               <a:ext uri="{FF2B5EF4-FFF2-40B4-BE49-F238E27FC236}">
-                <a16:creationId xmlns:a16="http://schemas.microsoft.com/office/drawing/2014/main" id="{3EF79735-B02C-CDE7-F6DC-68F6146418A2}"/>
+                <a16:creationId xmlns:a16="http://schemas.microsoft.com/office/drawing/2014/main" id="{99DB12D4-990D-B1E4-8B0E-48FADF9CEE2B}"/>
               </a:ext>
             </a:extLst>
           </p:cNvPr>
@@ -1131,7 +1131,7 @@
           <a:bodyPr/>
           <a:lstStyle/>
           <a:p>
-            <a:fld id="{7A86817B-5EF3-409B-9ADE-83BBE30A70BC}" type="datetimeFigureOut">
+            <a:fld id="{0873F4E9-D696-4CEC-BF6C-E9AFA181D858}" type="datetimeFigureOut">
               <a:rPr lang="zh-CN" altLang="en-US" smtClean="0"/>
               <a:t>2024/3/10</a:t>
             </a:fld>
@@ -1144,7 +1144,7 @@
           <p:cNvPr id="5" name="页脚占位符 4">
             <a:extLst>
               <a:ext uri="{FF2B5EF4-FFF2-40B4-BE49-F238E27FC236}">
-                <a16:creationId xmlns:a16="http://schemas.microsoft.com/office/drawing/2014/main" id="{CDCC2A61-8E7C-5A4F-2AFE-7F93D661197C}"/>
+                <a16:creationId xmlns:a16="http://schemas.microsoft.com/office/drawing/2014/main" id="{E5D5852C-27BB-6DC1-2742-19A91AC0F252}"/>
               </a:ext>
             </a:extLst>
           </p:cNvPr>
@@ -1169,7 +1169,7 @@
           <p:cNvPr id="6" name="灯片编号占位符 5">
             <a:extLst>
               <a:ext uri="{FF2B5EF4-FFF2-40B4-BE49-F238E27FC236}">
-                <a16:creationId xmlns:a16="http://schemas.microsoft.com/office/drawing/2014/main" id="{07DF2DFA-B605-453A-9117-847385BA3144}"/>
+                <a16:creationId xmlns:a16="http://schemas.microsoft.com/office/drawing/2014/main" id="{A7FED285-8A95-8DA4-F2C5-9B01FAEBB977}"/>
               </a:ext>
             </a:extLst>
           </p:cNvPr>
@@ -1185,7 +1185,7 @@
           <a:bodyPr/>
           <a:lstStyle/>
           <a:p>
-            <a:fld id="{FFEE2E34-C01D-4947-AB6A-550B507F5D54}" type="slidenum">
+            <a:fld id="{03DF322B-7F72-494B-BD4D-DB68A7B28BC0}" type="slidenum">
               <a:rPr lang="zh-CN" altLang="en-US" smtClean="0"/>
               <a:t>‹#›</a:t>
             </a:fld>
@@ -1196,7 +1196,7 @@
     </p:spTree>
     <p:extLst>
       <p:ext uri="{BB962C8B-B14F-4D97-AF65-F5344CB8AC3E}">
-        <p14:creationId xmlns:p14="http://schemas.microsoft.com/office/powerpoint/2010/main" val="719617994"/>
+        <p14:creationId xmlns:p14="http://schemas.microsoft.com/office/powerpoint/2010/main" val="4074418917"/>
       </p:ext>
     </p:extLst>
   </p:cSld>
@@ -1228,7 +1228,7 @@
           <p:cNvPr id="2" name="标题 1">
             <a:extLst>
               <a:ext uri="{FF2B5EF4-FFF2-40B4-BE49-F238E27FC236}">
-                <a16:creationId xmlns:a16="http://schemas.microsoft.com/office/drawing/2014/main" id="{AC77EA8F-28AB-4CD9-4D6B-E8B59C72B5DB}"/>
+                <a16:creationId xmlns:a16="http://schemas.microsoft.com/office/drawing/2014/main" id="{6C6FCAC0-9497-3056-1809-CD52EB83035C}"/>
               </a:ext>
             </a:extLst>
           </p:cNvPr>
@@ -1256,7 +1256,7 @@
           <p:cNvPr id="3" name="内容占位符 2">
             <a:extLst>
               <a:ext uri="{FF2B5EF4-FFF2-40B4-BE49-F238E27FC236}">
-                <a16:creationId xmlns:a16="http://schemas.microsoft.com/office/drawing/2014/main" id="{AA6174F7-C462-DD81-87DB-B1158E501C6A}"/>
+                <a16:creationId xmlns:a16="http://schemas.microsoft.com/office/drawing/2014/main" id="{4FA919DC-D65F-65DB-E53C-4FDFFAA6EBFE}"/>
               </a:ext>
             </a:extLst>
           </p:cNvPr>
@@ -1318,7 +1318,7 @@
           <p:cNvPr id="4" name="内容占位符 3">
             <a:extLst>
               <a:ext uri="{FF2B5EF4-FFF2-40B4-BE49-F238E27FC236}">
-                <a16:creationId xmlns:a16="http://schemas.microsoft.com/office/drawing/2014/main" id="{45EBC076-C1C4-CFED-0474-A330F5CE5535}"/>
+                <a16:creationId xmlns:a16="http://schemas.microsoft.com/office/drawing/2014/main" id="{03EC4256-7298-DA61-BD30-16C23B694F92}"/>
               </a:ext>
             </a:extLst>
           </p:cNvPr>
@@ -1380,7 +1380,7 @@
           <p:cNvPr id="5" name="日期占位符 4">
             <a:extLst>
               <a:ext uri="{FF2B5EF4-FFF2-40B4-BE49-F238E27FC236}">
-                <a16:creationId xmlns:a16="http://schemas.microsoft.com/office/drawing/2014/main" id="{E3B5A2C3-3E15-D606-7D7D-C95385DDC83C}"/>
+                <a16:creationId xmlns:a16="http://schemas.microsoft.com/office/drawing/2014/main" id="{F9023683-6891-A586-CC22-6C37855BD33E}"/>
               </a:ext>
             </a:extLst>
           </p:cNvPr>
@@ -1396,7 +1396,7 @@
           <a:bodyPr/>
           <a:lstStyle/>
           <a:p>
-            <a:fld id="{7A86817B-5EF3-409B-9ADE-83BBE30A70BC}" type="datetimeFigureOut">
+            <a:fld id="{0873F4E9-D696-4CEC-BF6C-E9AFA181D858}" type="datetimeFigureOut">
               <a:rPr lang="zh-CN" altLang="en-US" smtClean="0"/>
               <a:t>2024/3/10</a:t>
             </a:fld>
@@ -1409,7 +1409,7 @@
           <p:cNvPr id="6" name="页脚占位符 5">
             <a:extLst>
               <a:ext uri="{FF2B5EF4-FFF2-40B4-BE49-F238E27FC236}">
-                <a16:creationId xmlns:a16="http://schemas.microsoft.com/office/drawing/2014/main" id="{259E7EF4-D2A0-568E-1C5C-570454998896}"/>
+                <a16:creationId xmlns:a16="http://schemas.microsoft.com/office/drawing/2014/main" id="{0D66D32F-132B-4F0F-EED1-D09722DF33C9}"/>
               </a:ext>
             </a:extLst>
           </p:cNvPr>
@@ -1434,7 +1434,7 @@
           <p:cNvPr id="7" name="灯片编号占位符 6">
             <a:extLst>
               <a:ext uri="{FF2B5EF4-FFF2-40B4-BE49-F238E27FC236}">
-                <a16:creationId xmlns:a16="http://schemas.microsoft.com/office/drawing/2014/main" id="{8BC98BCB-2C96-E456-9BEF-1FCC7E1D3F6F}"/>
+                <a16:creationId xmlns:a16="http://schemas.microsoft.com/office/drawing/2014/main" id="{64C858D6-EFD4-45A5-2072-848D820E03B4}"/>
               </a:ext>
             </a:extLst>
           </p:cNvPr>
@@ -1450,7 +1450,7 @@
           <a:bodyPr/>
           <a:lstStyle/>
           <a:p>
-            <a:fld id="{FFEE2E34-C01D-4947-AB6A-550B507F5D54}" type="slidenum">
+            <a:fld id="{03DF322B-7F72-494B-BD4D-DB68A7B28BC0}" type="slidenum">
               <a:rPr lang="zh-CN" altLang="en-US" smtClean="0"/>
               <a:t>‹#›</a:t>
             </a:fld>
@@ -1461,7 +1461,7 @@
     </p:spTree>
     <p:extLst>
       <p:ext uri="{BB962C8B-B14F-4D97-AF65-F5344CB8AC3E}">
-        <p14:creationId xmlns:p14="http://schemas.microsoft.com/office/powerpoint/2010/main" val="2584708927"/>
+        <p14:creationId xmlns:p14="http://schemas.microsoft.com/office/powerpoint/2010/main" val="1449716392"/>
       </p:ext>
     </p:extLst>
   </p:cSld>
@@ -1493,7 +1493,7 @@
           <p:cNvPr id="2" name="标题 1">
             <a:extLst>
               <a:ext uri="{FF2B5EF4-FFF2-40B4-BE49-F238E27FC236}">
-                <a16:creationId xmlns:a16="http://schemas.microsoft.com/office/drawing/2014/main" id="{D1668E56-A24C-B8D0-775D-05896C86C422}"/>
+                <a16:creationId xmlns:a16="http://schemas.microsoft.com/office/drawing/2014/main" id="{8CB056E2-7198-2C74-DAF3-9DBBC211685D}"/>
               </a:ext>
             </a:extLst>
           </p:cNvPr>
@@ -1526,7 +1526,7 @@
           <p:cNvPr id="3" name="文本占位符 2">
             <a:extLst>
               <a:ext uri="{FF2B5EF4-FFF2-40B4-BE49-F238E27FC236}">
-                <a16:creationId xmlns:a16="http://schemas.microsoft.com/office/drawing/2014/main" id="{E28A4AB6-EC24-04D2-100D-64DE3FEB88B8}"/>
+                <a16:creationId xmlns:a16="http://schemas.microsoft.com/office/drawing/2014/main" id="{1F787F34-C387-2869-8310-8C6C6F2C79E7}"/>
               </a:ext>
             </a:extLst>
           </p:cNvPr>
@@ -1597,7 +1597,7 @@
           <p:cNvPr id="4" name="内容占位符 3">
             <a:extLst>
               <a:ext uri="{FF2B5EF4-FFF2-40B4-BE49-F238E27FC236}">
-                <a16:creationId xmlns:a16="http://schemas.microsoft.com/office/drawing/2014/main" id="{0046DCB3-71EC-DE79-287C-E787FFB618FD}"/>
+                <a16:creationId xmlns:a16="http://schemas.microsoft.com/office/drawing/2014/main" id="{D4C283FF-1A78-75B5-5B5B-683340997BC1}"/>
               </a:ext>
             </a:extLst>
           </p:cNvPr>
@@ -1659,7 +1659,7 @@
           <p:cNvPr id="5" name="文本占位符 4">
             <a:extLst>
               <a:ext uri="{FF2B5EF4-FFF2-40B4-BE49-F238E27FC236}">
-                <a16:creationId xmlns:a16="http://schemas.microsoft.com/office/drawing/2014/main" id="{0FFF8C5C-68BE-98C1-AA08-341C6C085414}"/>
+                <a16:creationId xmlns:a16="http://schemas.microsoft.com/office/drawing/2014/main" id="{0864BB74-2D51-111E-5121-CC6E7AF98F1B}"/>
               </a:ext>
             </a:extLst>
           </p:cNvPr>
@@ -1730,7 +1730,7 @@
           <p:cNvPr id="6" name="内容占位符 5">
             <a:extLst>
               <a:ext uri="{FF2B5EF4-FFF2-40B4-BE49-F238E27FC236}">
-                <a16:creationId xmlns:a16="http://schemas.microsoft.com/office/drawing/2014/main" id="{1490F911-DE6B-26A1-9516-2F469B68BD0B}"/>
+                <a16:creationId xmlns:a16="http://schemas.microsoft.com/office/drawing/2014/main" id="{9F980639-6AE4-1E0B-C62C-AB90C1D9EEEA}"/>
               </a:ext>
             </a:extLst>
           </p:cNvPr>
@@ -1792,7 +1792,7 @@
           <p:cNvPr id="7" name="日期占位符 6">
             <a:extLst>
               <a:ext uri="{FF2B5EF4-FFF2-40B4-BE49-F238E27FC236}">
-                <a16:creationId xmlns:a16="http://schemas.microsoft.com/office/drawing/2014/main" id="{ED7715A3-214D-31A2-6A9F-A69F67F40286}"/>
+                <a16:creationId xmlns:a16="http://schemas.microsoft.com/office/drawing/2014/main" id="{A0FBA787-9242-ED9C-B57D-1077CF1D1AD4}"/>
               </a:ext>
             </a:extLst>
           </p:cNvPr>
@@ -1808,7 +1808,7 @@
           <a:bodyPr/>
           <a:lstStyle/>
           <a:p>
-            <a:fld id="{7A86817B-5EF3-409B-9ADE-83BBE30A70BC}" type="datetimeFigureOut">
+            <a:fld id="{0873F4E9-D696-4CEC-BF6C-E9AFA181D858}" type="datetimeFigureOut">
               <a:rPr lang="zh-CN" altLang="en-US" smtClean="0"/>
               <a:t>2024/3/10</a:t>
             </a:fld>
@@ -1821,7 +1821,7 @@
           <p:cNvPr id="8" name="页脚占位符 7">
             <a:extLst>
               <a:ext uri="{FF2B5EF4-FFF2-40B4-BE49-F238E27FC236}">
-                <a16:creationId xmlns:a16="http://schemas.microsoft.com/office/drawing/2014/main" id="{2B1D7116-5B74-458F-9BB8-57F4C2918B1B}"/>
+                <a16:creationId xmlns:a16="http://schemas.microsoft.com/office/drawing/2014/main" id="{F5F37ED7-D877-C78D-FB88-5621E4B9F2EE}"/>
               </a:ext>
             </a:extLst>
           </p:cNvPr>
@@ -1846,7 +1846,7 @@
           <p:cNvPr id="9" name="灯片编号占位符 8">
             <a:extLst>
               <a:ext uri="{FF2B5EF4-FFF2-40B4-BE49-F238E27FC236}">
-                <a16:creationId xmlns:a16="http://schemas.microsoft.com/office/drawing/2014/main" id="{6125CA22-751A-BBF6-6355-8C084B75ABA0}"/>
+                <a16:creationId xmlns:a16="http://schemas.microsoft.com/office/drawing/2014/main" id="{3D2E9DEC-1BD4-0593-0F9E-1B469202352C}"/>
               </a:ext>
             </a:extLst>
           </p:cNvPr>
@@ -1862,7 +1862,7 @@
           <a:bodyPr/>
           <a:lstStyle/>
           <a:p>
-            <a:fld id="{FFEE2E34-C01D-4947-AB6A-550B507F5D54}" type="slidenum">
+            <a:fld id="{03DF322B-7F72-494B-BD4D-DB68A7B28BC0}" type="slidenum">
               <a:rPr lang="zh-CN" altLang="en-US" smtClean="0"/>
               <a:t>‹#›</a:t>
             </a:fld>
@@ -1873,7 +1873,7 @@
     </p:spTree>
     <p:extLst>
       <p:ext uri="{BB962C8B-B14F-4D97-AF65-F5344CB8AC3E}">
-        <p14:creationId xmlns:p14="http://schemas.microsoft.com/office/powerpoint/2010/main" val="1266393749"/>
+        <p14:creationId xmlns:p14="http://schemas.microsoft.com/office/powerpoint/2010/main" val="620258121"/>
       </p:ext>
     </p:extLst>
   </p:cSld>
@@ -1905,7 +1905,7 @@
           <p:cNvPr id="2" name="标题 1">
             <a:extLst>
               <a:ext uri="{FF2B5EF4-FFF2-40B4-BE49-F238E27FC236}">
-                <a16:creationId xmlns:a16="http://schemas.microsoft.com/office/drawing/2014/main" id="{B8E3259D-64BD-49CA-F302-C87367819A09}"/>
+                <a16:creationId xmlns:a16="http://schemas.microsoft.com/office/drawing/2014/main" id="{E77F199F-386C-7096-D218-9BA73F5FB55C}"/>
               </a:ext>
             </a:extLst>
           </p:cNvPr>
@@ -1933,7 +1933,7 @@
           <p:cNvPr id="3" name="日期占位符 2">
             <a:extLst>
               <a:ext uri="{FF2B5EF4-FFF2-40B4-BE49-F238E27FC236}">
-                <a16:creationId xmlns:a16="http://schemas.microsoft.com/office/drawing/2014/main" id="{8A2CA613-E8C5-4F17-564C-4A7E19C4972E}"/>
+                <a16:creationId xmlns:a16="http://schemas.microsoft.com/office/drawing/2014/main" id="{9E5949FE-08DB-5F93-C0B3-9A81C12586C0}"/>
               </a:ext>
             </a:extLst>
           </p:cNvPr>
@@ -1949,7 +1949,7 @@
           <a:bodyPr/>
           <a:lstStyle/>
           <a:p>
-            <a:fld id="{7A86817B-5EF3-409B-9ADE-83BBE30A70BC}" type="datetimeFigureOut">
+            <a:fld id="{0873F4E9-D696-4CEC-BF6C-E9AFA181D858}" type="datetimeFigureOut">
               <a:rPr lang="zh-CN" altLang="en-US" smtClean="0"/>
               <a:t>2024/3/10</a:t>
             </a:fld>
@@ -1962,7 +1962,7 @@
           <p:cNvPr id="4" name="页脚占位符 3">
             <a:extLst>
               <a:ext uri="{FF2B5EF4-FFF2-40B4-BE49-F238E27FC236}">
-                <a16:creationId xmlns:a16="http://schemas.microsoft.com/office/drawing/2014/main" id="{763394FE-14A4-2E25-C312-27DF6E55C0F0}"/>
+                <a16:creationId xmlns:a16="http://schemas.microsoft.com/office/drawing/2014/main" id="{FBC1E06A-150C-13C0-F103-FBCDE0719B69}"/>
               </a:ext>
             </a:extLst>
           </p:cNvPr>
@@ -1987,7 +1987,7 @@
           <p:cNvPr id="5" name="灯片编号占位符 4">
             <a:extLst>
               <a:ext uri="{FF2B5EF4-FFF2-40B4-BE49-F238E27FC236}">
-                <a16:creationId xmlns:a16="http://schemas.microsoft.com/office/drawing/2014/main" id="{F3D72E89-7A65-7A2E-5118-1ECEE85676A2}"/>
+                <a16:creationId xmlns:a16="http://schemas.microsoft.com/office/drawing/2014/main" id="{44632808-A0A6-1D51-77E8-C893480C5E9F}"/>
               </a:ext>
             </a:extLst>
           </p:cNvPr>
@@ -2003,7 +2003,7 @@
           <a:bodyPr/>
           <a:lstStyle/>
           <a:p>
-            <a:fld id="{FFEE2E34-C01D-4947-AB6A-550B507F5D54}" type="slidenum">
+            <a:fld id="{03DF322B-7F72-494B-BD4D-DB68A7B28BC0}" type="slidenum">
               <a:rPr lang="zh-CN" altLang="en-US" smtClean="0"/>
               <a:t>‹#›</a:t>
             </a:fld>
@@ -2014,7 +2014,7 @@
     </p:spTree>
     <p:extLst>
       <p:ext uri="{BB962C8B-B14F-4D97-AF65-F5344CB8AC3E}">
-        <p14:creationId xmlns:p14="http://schemas.microsoft.com/office/powerpoint/2010/main" val="3511289034"/>
+        <p14:creationId xmlns:p14="http://schemas.microsoft.com/office/powerpoint/2010/main" val="1519595543"/>
       </p:ext>
     </p:extLst>
   </p:cSld>
@@ -2046,7 +2046,7 @@
           <p:cNvPr id="2" name="日期占位符 1">
             <a:extLst>
               <a:ext uri="{FF2B5EF4-FFF2-40B4-BE49-F238E27FC236}">
-                <a16:creationId xmlns:a16="http://schemas.microsoft.com/office/drawing/2014/main" id="{665B1D4F-039E-C42B-E855-4010ACEF5870}"/>
+                <a16:creationId xmlns:a16="http://schemas.microsoft.com/office/drawing/2014/main" id="{FC2241E5-A684-40AD-82DD-7C0952341174}"/>
               </a:ext>
             </a:extLst>
           </p:cNvPr>
@@ -2062,7 +2062,7 @@
           <a:bodyPr/>
           <a:lstStyle/>
           <a:p>
-            <a:fld id="{7A86817B-5EF3-409B-9ADE-83BBE30A70BC}" type="datetimeFigureOut">
+            <a:fld id="{0873F4E9-D696-4CEC-BF6C-E9AFA181D858}" type="datetimeFigureOut">
               <a:rPr lang="zh-CN" altLang="en-US" smtClean="0"/>
               <a:t>2024/3/10</a:t>
             </a:fld>
@@ -2075,7 +2075,7 @@
           <p:cNvPr id="3" name="页脚占位符 2">
             <a:extLst>
               <a:ext uri="{FF2B5EF4-FFF2-40B4-BE49-F238E27FC236}">
-                <a16:creationId xmlns:a16="http://schemas.microsoft.com/office/drawing/2014/main" id="{78CFAEEE-0E47-16F1-3136-04B20D7ECE9F}"/>
+                <a16:creationId xmlns:a16="http://schemas.microsoft.com/office/drawing/2014/main" id="{4BB86D01-9E58-9C37-2A20-D95EBC781C82}"/>
               </a:ext>
             </a:extLst>
           </p:cNvPr>
@@ -2100,7 +2100,7 @@
           <p:cNvPr id="4" name="灯片编号占位符 3">
             <a:extLst>
               <a:ext uri="{FF2B5EF4-FFF2-40B4-BE49-F238E27FC236}">
-                <a16:creationId xmlns:a16="http://schemas.microsoft.com/office/drawing/2014/main" id="{2ABAB2F6-865C-5255-4125-31D2F6F50EAC}"/>
+                <a16:creationId xmlns:a16="http://schemas.microsoft.com/office/drawing/2014/main" id="{0F9CBF2C-C2B0-7226-706A-8411611DBCC0}"/>
               </a:ext>
             </a:extLst>
           </p:cNvPr>
@@ -2116,7 +2116,7 @@
           <a:bodyPr/>
           <a:lstStyle/>
           <a:p>
-            <a:fld id="{FFEE2E34-C01D-4947-AB6A-550B507F5D54}" type="slidenum">
+            <a:fld id="{03DF322B-7F72-494B-BD4D-DB68A7B28BC0}" type="slidenum">
               <a:rPr lang="zh-CN" altLang="en-US" smtClean="0"/>
               <a:t>‹#›</a:t>
             </a:fld>
@@ -2127,7 +2127,7 @@
     </p:spTree>
     <p:extLst>
       <p:ext uri="{BB962C8B-B14F-4D97-AF65-F5344CB8AC3E}">
-        <p14:creationId xmlns:p14="http://schemas.microsoft.com/office/powerpoint/2010/main" val="309978669"/>
+        <p14:creationId xmlns:p14="http://schemas.microsoft.com/office/powerpoint/2010/main" val="357588015"/>
       </p:ext>
     </p:extLst>
   </p:cSld>
@@ -2159,7 +2159,7 @@
           <p:cNvPr id="2" name="标题 1">
             <a:extLst>
               <a:ext uri="{FF2B5EF4-FFF2-40B4-BE49-F238E27FC236}">
-                <a16:creationId xmlns:a16="http://schemas.microsoft.com/office/drawing/2014/main" id="{C4ACA1E1-22C0-FBE0-ADA6-706887DF8B1C}"/>
+                <a16:creationId xmlns:a16="http://schemas.microsoft.com/office/drawing/2014/main" id="{A5A2BC08-7F7A-6F90-945F-1FAFF9D79198}"/>
               </a:ext>
             </a:extLst>
           </p:cNvPr>
@@ -2196,7 +2196,7 @@
           <p:cNvPr id="3" name="内容占位符 2">
             <a:extLst>
               <a:ext uri="{FF2B5EF4-FFF2-40B4-BE49-F238E27FC236}">
-                <a16:creationId xmlns:a16="http://schemas.microsoft.com/office/drawing/2014/main" id="{9AAFC884-F8F5-96C4-19FB-080AE63520EC}"/>
+                <a16:creationId xmlns:a16="http://schemas.microsoft.com/office/drawing/2014/main" id="{ECD254AE-5D5F-FD71-968A-EADA14632AA1}"/>
               </a:ext>
             </a:extLst>
           </p:cNvPr>
@@ -2286,7 +2286,7 @@
           <p:cNvPr id="4" name="文本占位符 3">
             <a:extLst>
               <a:ext uri="{FF2B5EF4-FFF2-40B4-BE49-F238E27FC236}">
-                <a16:creationId xmlns:a16="http://schemas.microsoft.com/office/drawing/2014/main" id="{49A1074C-9122-8693-E28E-627C9FBEEF82}"/>
+                <a16:creationId xmlns:a16="http://schemas.microsoft.com/office/drawing/2014/main" id="{AAD4EFA0-FDE5-27FC-F903-D75088B07485}"/>
               </a:ext>
             </a:extLst>
           </p:cNvPr>
@@ -2357,7 +2357,7 @@
           <p:cNvPr id="5" name="日期占位符 4">
             <a:extLst>
               <a:ext uri="{FF2B5EF4-FFF2-40B4-BE49-F238E27FC236}">
-                <a16:creationId xmlns:a16="http://schemas.microsoft.com/office/drawing/2014/main" id="{C75023EC-E005-C1DC-AFEC-0A3D00C7A41B}"/>
+                <a16:creationId xmlns:a16="http://schemas.microsoft.com/office/drawing/2014/main" id="{7085FC0E-F077-9D1B-CE1D-37E6BC208FAF}"/>
               </a:ext>
             </a:extLst>
           </p:cNvPr>
@@ -2373,7 +2373,7 @@
           <a:bodyPr/>
           <a:lstStyle/>
           <a:p>
-            <a:fld id="{7A86817B-5EF3-409B-9ADE-83BBE30A70BC}" type="datetimeFigureOut">
+            <a:fld id="{0873F4E9-D696-4CEC-BF6C-E9AFA181D858}" type="datetimeFigureOut">
               <a:rPr lang="zh-CN" altLang="en-US" smtClean="0"/>
               <a:t>2024/3/10</a:t>
             </a:fld>
@@ -2386,7 +2386,7 @@
           <p:cNvPr id="6" name="页脚占位符 5">
             <a:extLst>
               <a:ext uri="{FF2B5EF4-FFF2-40B4-BE49-F238E27FC236}">
-                <a16:creationId xmlns:a16="http://schemas.microsoft.com/office/drawing/2014/main" id="{0EFC3E66-5747-6CBB-3C23-07933C209265}"/>
+                <a16:creationId xmlns:a16="http://schemas.microsoft.com/office/drawing/2014/main" id="{582CB60E-637E-FA9B-8E54-63A2D048ABF0}"/>
               </a:ext>
             </a:extLst>
           </p:cNvPr>
@@ -2411,7 +2411,7 @@
           <p:cNvPr id="7" name="灯片编号占位符 6">
             <a:extLst>
               <a:ext uri="{FF2B5EF4-FFF2-40B4-BE49-F238E27FC236}">
-                <a16:creationId xmlns:a16="http://schemas.microsoft.com/office/drawing/2014/main" id="{3FFFA44F-307D-911E-1720-D659247E9120}"/>
+                <a16:creationId xmlns:a16="http://schemas.microsoft.com/office/drawing/2014/main" id="{424936D0-8474-E0CE-A416-488B03C41004}"/>
               </a:ext>
             </a:extLst>
           </p:cNvPr>
@@ -2427,7 +2427,7 @@
           <a:bodyPr/>
           <a:lstStyle/>
           <a:p>
-            <a:fld id="{FFEE2E34-C01D-4947-AB6A-550B507F5D54}" type="slidenum">
+            <a:fld id="{03DF322B-7F72-494B-BD4D-DB68A7B28BC0}" type="slidenum">
               <a:rPr lang="zh-CN" altLang="en-US" smtClean="0"/>
               <a:t>‹#›</a:t>
             </a:fld>
@@ -2438,7 +2438,7 @@
     </p:spTree>
     <p:extLst>
       <p:ext uri="{BB962C8B-B14F-4D97-AF65-F5344CB8AC3E}">
-        <p14:creationId xmlns:p14="http://schemas.microsoft.com/office/powerpoint/2010/main" val="2441575705"/>
+        <p14:creationId xmlns:p14="http://schemas.microsoft.com/office/powerpoint/2010/main" val="1119800486"/>
       </p:ext>
     </p:extLst>
   </p:cSld>
@@ -2470,7 +2470,7 @@
           <p:cNvPr id="2" name="标题 1">
             <a:extLst>
               <a:ext uri="{FF2B5EF4-FFF2-40B4-BE49-F238E27FC236}">
-                <a16:creationId xmlns:a16="http://schemas.microsoft.com/office/drawing/2014/main" id="{7D0D7025-685A-C06C-5E00-08710EE49ACF}"/>
+                <a16:creationId xmlns:a16="http://schemas.microsoft.com/office/drawing/2014/main" id="{59EA61B6-6019-0D76-02C1-6203AA8BED5E}"/>
               </a:ext>
             </a:extLst>
           </p:cNvPr>
@@ -2507,7 +2507,7 @@
           <p:cNvPr id="3" name="图片占位符 2">
             <a:extLst>
               <a:ext uri="{FF2B5EF4-FFF2-40B4-BE49-F238E27FC236}">
-                <a16:creationId xmlns:a16="http://schemas.microsoft.com/office/drawing/2014/main" id="{22C01022-CCC4-D0F4-2254-290F37CF8D3A}"/>
+                <a16:creationId xmlns:a16="http://schemas.microsoft.com/office/drawing/2014/main" id="{C085314D-1777-CE58-33D1-F5B672EA862E}"/>
               </a:ext>
             </a:extLst>
           </p:cNvPr>
@@ -2574,7 +2574,7 @@
           <p:cNvPr id="4" name="文本占位符 3">
             <a:extLst>
               <a:ext uri="{FF2B5EF4-FFF2-40B4-BE49-F238E27FC236}">
-                <a16:creationId xmlns:a16="http://schemas.microsoft.com/office/drawing/2014/main" id="{54A2B241-A842-DAA9-A598-39F7C3FC37BB}"/>
+                <a16:creationId xmlns:a16="http://schemas.microsoft.com/office/drawing/2014/main" id="{0A833403-F97A-7DD8-6712-0B053A13755C}"/>
               </a:ext>
             </a:extLst>
           </p:cNvPr>
@@ -2645,7 +2645,7 @@
           <p:cNvPr id="5" name="日期占位符 4">
             <a:extLst>
               <a:ext uri="{FF2B5EF4-FFF2-40B4-BE49-F238E27FC236}">
-                <a16:creationId xmlns:a16="http://schemas.microsoft.com/office/drawing/2014/main" id="{2B453E52-BF83-C93D-C596-0151F1891FBF}"/>
+                <a16:creationId xmlns:a16="http://schemas.microsoft.com/office/drawing/2014/main" id="{D53BDDC7-A57D-B60E-9B34-5C7747557028}"/>
               </a:ext>
             </a:extLst>
           </p:cNvPr>
@@ -2661,7 +2661,7 @@
           <a:bodyPr/>
           <a:lstStyle/>
           <a:p>
-            <a:fld id="{7A86817B-5EF3-409B-9ADE-83BBE30A70BC}" type="datetimeFigureOut">
+            <a:fld id="{0873F4E9-D696-4CEC-BF6C-E9AFA181D858}" type="datetimeFigureOut">
               <a:rPr lang="zh-CN" altLang="en-US" smtClean="0"/>
               <a:t>2024/3/10</a:t>
             </a:fld>
@@ -2674,7 +2674,7 @@
           <p:cNvPr id="6" name="页脚占位符 5">
             <a:extLst>
               <a:ext uri="{FF2B5EF4-FFF2-40B4-BE49-F238E27FC236}">
-                <a16:creationId xmlns:a16="http://schemas.microsoft.com/office/drawing/2014/main" id="{7DE0A629-DA04-3D8A-4A44-7D96C790C418}"/>
+                <a16:creationId xmlns:a16="http://schemas.microsoft.com/office/drawing/2014/main" id="{A227FEA7-EAB7-4B42-4DF1-B9B698A1AD5E}"/>
               </a:ext>
             </a:extLst>
           </p:cNvPr>
@@ -2699,7 +2699,7 @@
           <p:cNvPr id="7" name="灯片编号占位符 6">
             <a:extLst>
               <a:ext uri="{FF2B5EF4-FFF2-40B4-BE49-F238E27FC236}">
-                <a16:creationId xmlns:a16="http://schemas.microsoft.com/office/drawing/2014/main" id="{0ACF803D-F9D9-4942-E801-014866F94494}"/>
+                <a16:creationId xmlns:a16="http://schemas.microsoft.com/office/drawing/2014/main" id="{681F691E-8E16-BDB3-7B9D-F30C61A5D828}"/>
               </a:ext>
             </a:extLst>
           </p:cNvPr>
@@ -2715,7 +2715,7 @@
           <a:bodyPr/>
           <a:lstStyle/>
           <a:p>
-            <a:fld id="{FFEE2E34-C01D-4947-AB6A-550B507F5D54}" type="slidenum">
+            <a:fld id="{03DF322B-7F72-494B-BD4D-DB68A7B28BC0}" type="slidenum">
               <a:rPr lang="zh-CN" altLang="en-US" smtClean="0"/>
               <a:t>‹#›</a:t>
             </a:fld>
@@ -2726,7 +2726,7 @@
     </p:spTree>
     <p:extLst>
       <p:ext uri="{BB962C8B-B14F-4D97-AF65-F5344CB8AC3E}">
-        <p14:creationId xmlns:p14="http://schemas.microsoft.com/office/powerpoint/2010/main" val="2940653986"/>
+        <p14:creationId xmlns:p14="http://schemas.microsoft.com/office/powerpoint/2010/main" val="1657611117"/>
       </p:ext>
     </p:extLst>
   </p:cSld>
@@ -2763,7 +2763,7 @@
           <p:cNvPr id="2" name="标题占位符 1">
             <a:extLst>
               <a:ext uri="{FF2B5EF4-FFF2-40B4-BE49-F238E27FC236}">
-                <a16:creationId xmlns:a16="http://schemas.microsoft.com/office/drawing/2014/main" id="{77A12201-539E-5211-831B-706D131E28B1}"/>
+                <a16:creationId xmlns:a16="http://schemas.microsoft.com/office/drawing/2014/main" id="{88A5AC0A-C7D4-964E-BDA0-3144B64C3A01}"/>
               </a:ext>
             </a:extLst>
           </p:cNvPr>
@@ -2801,7 +2801,7 @@
           <p:cNvPr id="3" name="文本占位符 2">
             <a:extLst>
               <a:ext uri="{FF2B5EF4-FFF2-40B4-BE49-F238E27FC236}">
-                <a16:creationId xmlns:a16="http://schemas.microsoft.com/office/drawing/2014/main" id="{B88D2E4A-94BF-BD45-3BA0-FBD432F8F4AE}"/>
+                <a16:creationId xmlns:a16="http://schemas.microsoft.com/office/drawing/2014/main" id="{371E8663-283D-DE02-ADAE-AC3BE5338480}"/>
               </a:ext>
             </a:extLst>
           </p:cNvPr>
@@ -2868,7 +2868,7 @@
           <p:cNvPr id="4" name="日期占位符 3">
             <a:extLst>
               <a:ext uri="{FF2B5EF4-FFF2-40B4-BE49-F238E27FC236}">
-                <a16:creationId xmlns:a16="http://schemas.microsoft.com/office/drawing/2014/main" id="{BAAB4F12-F1F8-7B38-F3B9-233C44636A73}"/>
+                <a16:creationId xmlns:a16="http://schemas.microsoft.com/office/drawing/2014/main" id="{40F92C14-B241-E272-51CF-A73C987D4CA9}"/>
               </a:ext>
             </a:extLst>
           </p:cNvPr>
@@ -2902,7 +2902,7 @@
             </a:lvl1pPr>
           </a:lstStyle>
           <a:p>
-            <a:fld id="{7A86817B-5EF3-409B-9ADE-83BBE30A70BC}" type="datetimeFigureOut">
+            <a:fld id="{0873F4E9-D696-4CEC-BF6C-E9AFA181D858}" type="datetimeFigureOut">
               <a:rPr lang="zh-CN" altLang="en-US" smtClean="0"/>
               <a:t>2024/3/10</a:t>
             </a:fld>
@@ -2915,7 +2915,7 @@
           <p:cNvPr id="5" name="页脚占位符 4">
             <a:extLst>
               <a:ext uri="{FF2B5EF4-FFF2-40B4-BE49-F238E27FC236}">
-                <a16:creationId xmlns:a16="http://schemas.microsoft.com/office/drawing/2014/main" id="{74E54318-5789-1A4A-C886-1F31F4633540}"/>
+                <a16:creationId xmlns:a16="http://schemas.microsoft.com/office/drawing/2014/main" id="{21F43584-9806-A009-1A96-C8893A0D331A}"/>
               </a:ext>
             </a:extLst>
           </p:cNvPr>
@@ -2958,7 +2958,7 @@
           <p:cNvPr id="6" name="灯片编号占位符 5">
             <a:extLst>
               <a:ext uri="{FF2B5EF4-FFF2-40B4-BE49-F238E27FC236}">
-                <a16:creationId xmlns:a16="http://schemas.microsoft.com/office/drawing/2014/main" id="{E621E3EC-2077-57D5-50E9-8DB8AAFC7994}"/>
+                <a16:creationId xmlns:a16="http://schemas.microsoft.com/office/drawing/2014/main" id="{93C5D24B-CB62-9BBA-4AAC-054E78CF9F47}"/>
               </a:ext>
             </a:extLst>
           </p:cNvPr>
@@ -2992,7 +2992,7 @@
             </a:lvl1pPr>
           </a:lstStyle>
           <a:p>
-            <a:fld id="{FFEE2E34-C01D-4947-AB6A-550B507F5D54}" type="slidenum">
+            <a:fld id="{03DF322B-7F72-494B-BD4D-DB68A7B28BC0}" type="slidenum">
               <a:rPr lang="zh-CN" altLang="en-US" smtClean="0"/>
               <a:t>‹#›</a:t>
             </a:fld>
@@ -3003,7 +3003,7 @@
     </p:spTree>
     <p:extLst>
       <p:ext uri="{BB962C8B-B14F-4D97-AF65-F5344CB8AC3E}">
-        <p14:creationId xmlns:p14="http://schemas.microsoft.com/office/powerpoint/2010/main" val="4208788638"/>
+        <p14:creationId xmlns:p14="http://schemas.microsoft.com/office/powerpoint/2010/main" val="1400350990"/>
       </p:ext>
     </p:extLst>
   </p:cSld>
@@ -3323,7 +3323,7 @@
       </p:grpSpPr>
       <p:pic>
         <p:nvPicPr>
-          <p:cNvPr id="382978" name="Picture 2" descr="373"/>
+          <p:cNvPr id="384002" name="Picture 2" descr="374"/>
           <p:cNvPicPr>
             <a:picLocks noChangeAspect="1" noChangeArrowheads="1"/>
           </p:cNvPicPr>
